--- a/CSE101-S19/Slides/PPT/CSE101_Lec8.pptx
+++ b/CSE101-S19/Slides/PPT/CSE101_Lec8.pptx
@@ -279,7 +279,7 @@
           <a:p>
             <a:fld id="{A25E667E-A4AF-489F-ABBC-742CDB752DA8}" type="datetimeFigureOut">
               <a:rPr lang="en-US" smtClean="0"/>
-              <a:t>4/30/2019</a:t>
+              <a:t>5/7/2019</a:t>
             </a:fld>
             <a:endParaRPr lang="en-US"/>
           </a:p>
@@ -772,7 +772,7 @@
           <a:p>
             <a:fld id="{5D487D00-93DD-4940-8FD7-72D171BB6C86}" type="datetime1">
               <a:rPr lang="en-US" smtClean="0"/>
-              <a:t>4/30/2019</a:t>
+              <a:t>5/7/2019</a:t>
             </a:fld>
             <a:endParaRPr lang="en-US"/>
           </a:p>
@@ -983,7 +983,7 @@
           <a:p>
             <a:fld id="{3831D43E-4F7E-4780-B70F-3538D32CF675}" type="datetime1">
               <a:rPr lang="en-US" smtClean="0"/>
-              <a:t>4/30/2019</a:t>
+              <a:t>5/7/2019</a:t>
             </a:fld>
             <a:endParaRPr lang="en-US"/>
           </a:p>
@@ -1242,7 +1242,7 @@
           <a:p>
             <a:fld id="{99B77B8B-6C04-436C-B9CA-7E32F910B067}" type="datetime1">
               <a:rPr lang="en-US" smtClean="0"/>
-              <a:t>4/30/2019</a:t>
+              <a:t>5/7/2019</a:t>
             </a:fld>
             <a:endParaRPr lang="en-US"/>
           </a:p>
@@ -1419,7 +1419,7 @@
           <a:p>
             <a:fld id="{41552D1F-A211-4519-B9B1-D59FC7C7B6E8}" type="datetime1">
               <a:rPr lang="en-US" smtClean="0"/>
-              <a:t>4/30/2019</a:t>
+              <a:t>5/7/2019</a:t>
             </a:fld>
             <a:endParaRPr lang="en-US"/>
           </a:p>
@@ -1765,7 +1765,7 @@
           <a:p>
             <a:fld id="{D3A158F4-4510-4835-B48A-C9692BE1A9BE}" type="datetime1">
               <a:rPr lang="en-US" smtClean="0"/>
-              <a:t>4/30/2019</a:t>
+              <a:t>5/7/2019</a:t>
             </a:fld>
             <a:endParaRPr lang="en-US"/>
           </a:p>
@@ -2043,7 +2043,7 @@
           <a:p>
             <a:fld id="{3D195FF9-7C0F-4578-9DA5-6E494F24FE4F}" type="datetime1">
               <a:rPr lang="en-US" smtClean="0"/>
-              <a:t>4/30/2019</a:t>
+              <a:t>5/7/2019</a:t>
             </a:fld>
             <a:endParaRPr lang="en-US"/>
           </a:p>
@@ -2425,7 +2425,7 @@
           <a:p>
             <a:fld id="{D6DE9C68-9D2B-475A-BAAD-95B35904D276}" type="datetime1">
               <a:rPr lang="en-US" smtClean="0"/>
-              <a:t>4/30/2019</a:t>
+              <a:t>5/7/2019</a:t>
             </a:fld>
             <a:endParaRPr lang="en-US"/>
           </a:p>
@@ -2546,7 +2546,7 @@
           <a:p>
             <a:fld id="{9A2381F3-F521-49F2-B6F8-8D7496925039}" type="datetime1">
               <a:rPr lang="en-US" smtClean="0"/>
-              <a:t>4/30/2019</a:t>
+              <a:t>5/7/2019</a:t>
             </a:fld>
             <a:endParaRPr lang="en-US"/>
           </a:p>
@@ -2720,7 +2720,7 @@
           <a:p>
             <a:fld id="{C663475C-C634-489E-AF93-64B17549A749}" type="datetime1">
               <a:rPr lang="en-US" smtClean="0"/>
-              <a:t>4/30/2019</a:t>
+              <a:t>5/7/2019</a:t>
             </a:fld>
             <a:endParaRPr lang="en-US"/>
           </a:p>
@@ -3077,7 +3077,7 @@
           <a:p>
             <a:fld id="{10706907-04E0-4508-94B9-19529985F41D}" type="datetime1">
               <a:rPr lang="en-US" smtClean="0"/>
-              <a:t>4/30/2019</a:t>
+              <a:t>5/7/2019</a:t>
             </a:fld>
             <a:endParaRPr lang="en-US"/>
           </a:p>
@@ -3462,7 +3462,7 @@
           <a:p>
             <a:fld id="{A13ADAF9-FDB7-4735-9CB1-5599909F77CE}" type="datetime1">
               <a:rPr lang="en-US" smtClean="0"/>
-              <a:t>4/30/2019</a:t>
+              <a:t>5/7/2019</a:t>
             </a:fld>
             <a:endParaRPr lang="en-US"/>
           </a:p>
@@ -3752,7 +3752,7 @@
           <a:p>
             <a:fld id="{101CA6E8-78F5-4EC8-8C98-EB073A8A7B4F}" type="datetime1">
               <a:rPr lang="en-US" smtClean="0"/>
-              <a:t>4/30/2019</a:t>
+              <a:t>5/7/2019</a:t>
             </a:fld>
             <a:endParaRPr lang="en-US"/>
           </a:p>
@@ -19595,7 +19595,7 @@
             </a:r>
             <a:r>
               <a:rPr lang="en-US" dirty="0"/>
-              <a:t> will have an IQ near 1.0, but so will a low-</a:t>
+              <a:t> will have an IQ near 0.5, but so will a low-</a:t>
             </a:r>
             <a:r>
               <a:rPr lang="en-US" dirty="0" err="1"/>
